--- a/doc/QPF_Architecture.pptx
+++ b/doc/QPF_Architecture.pptx
@@ -296,7 +296,7 @@
             <a:fld id="{8E36636D-D922-432D-A958-524484B5923D}" type="datetimeFigureOut">
               <a:rPr lang="en-US" smtClean="0"/>
               <a:pPr/>
-              <a:t>10/1/2015</a:t>
+              <a:t>10/5/2015</a:t>
             </a:fld>
             <a:endParaRPr lang="en-US"/>
           </a:p>
@@ -463,7 +463,7 @@
             <a:fld id="{8E36636D-D922-432D-A958-524484B5923D}" type="datetimeFigureOut">
               <a:rPr lang="en-US" smtClean="0"/>
               <a:pPr/>
-              <a:t>10/1/2015</a:t>
+              <a:t>10/5/2015</a:t>
             </a:fld>
             <a:endParaRPr lang="en-US"/>
           </a:p>
@@ -640,7 +640,7 @@
             <a:fld id="{8E36636D-D922-432D-A958-524484B5923D}" type="datetimeFigureOut">
               <a:rPr lang="en-US" smtClean="0"/>
               <a:pPr/>
-              <a:t>10/1/2015</a:t>
+              <a:t>10/5/2015</a:t>
             </a:fld>
             <a:endParaRPr lang="en-US"/>
           </a:p>
@@ -807,7 +807,7 @@
             <a:fld id="{8E36636D-D922-432D-A958-524484B5923D}" type="datetimeFigureOut">
               <a:rPr lang="en-US" smtClean="0"/>
               <a:pPr/>
-              <a:t>10/1/2015</a:t>
+              <a:t>10/5/2015</a:t>
             </a:fld>
             <a:endParaRPr lang="en-US"/>
           </a:p>
@@ -1048,7 +1048,7 @@
             <a:fld id="{8E36636D-D922-432D-A958-524484B5923D}" type="datetimeFigureOut">
               <a:rPr lang="en-US" smtClean="0"/>
               <a:pPr/>
-              <a:t>10/1/2015</a:t>
+              <a:t>10/5/2015</a:t>
             </a:fld>
             <a:endParaRPr lang="en-US"/>
           </a:p>
@@ -1333,7 +1333,7 @@
             <a:fld id="{8E36636D-D922-432D-A958-524484B5923D}" type="datetimeFigureOut">
               <a:rPr lang="en-US" smtClean="0"/>
               <a:pPr/>
-              <a:t>10/1/2015</a:t>
+              <a:t>10/5/2015</a:t>
             </a:fld>
             <a:endParaRPr lang="en-US"/>
           </a:p>
@@ -1752,7 +1752,7 @@
             <a:fld id="{8E36636D-D922-432D-A958-524484B5923D}" type="datetimeFigureOut">
               <a:rPr lang="en-US" smtClean="0"/>
               <a:pPr/>
-              <a:t>10/1/2015</a:t>
+              <a:t>10/5/2015</a:t>
             </a:fld>
             <a:endParaRPr lang="en-US"/>
           </a:p>
@@ -1867,7 +1867,7 @@
             <a:fld id="{8E36636D-D922-432D-A958-524484B5923D}" type="datetimeFigureOut">
               <a:rPr lang="en-US" smtClean="0"/>
               <a:pPr/>
-              <a:t>10/1/2015</a:t>
+              <a:t>10/5/2015</a:t>
             </a:fld>
             <a:endParaRPr lang="en-US"/>
           </a:p>
@@ -1959,7 +1959,7 @@
             <a:fld id="{8E36636D-D922-432D-A958-524484B5923D}" type="datetimeFigureOut">
               <a:rPr lang="en-US" smtClean="0"/>
               <a:pPr/>
-              <a:t>10/1/2015</a:t>
+              <a:t>10/5/2015</a:t>
             </a:fld>
             <a:endParaRPr lang="en-US"/>
           </a:p>
@@ -2240,7 +2240,7 @@
             <a:fld id="{8E36636D-D922-432D-A958-524484B5923D}" type="datetimeFigureOut">
               <a:rPr lang="en-US" smtClean="0"/>
               <a:pPr/>
-              <a:t>10/1/2015</a:t>
+              <a:t>10/5/2015</a:t>
             </a:fld>
             <a:endParaRPr lang="en-US"/>
           </a:p>
@@ -2501,7 +2501,7 @@
             <a:fld id="{8E36636D-D922-432D-A958-524484B5923D}" type="datetimeFigureOut">
               <a:rPr lang="en-US" smtClean="0"/>
               <a:pPr/>
-              <a:t>10/1/2015</a:t>
+              <a:t>10/5/2015</a:t>
             </a:fld>
             <a:endParaRPr lang="en-US"/>
           </a:p>
@@ -2711,7 +2711,7 @@
             <a:fld id="{8E36636D-D922-432D-A958-524484B5923D}" type="datetimeFigureOut">
               <a:rPr lang="en-US" smtClean="0"/>
               <a:pPr/>
-              <a:t>10/1/2015</a:t>
+              <a:t>10/5/2015</a:t>
             </a:fld>
             <a:endParaRPr lang="en-US"/>
           </a:p>
@@ -12088,23 +12088,32 @@
       </p:grpSpPr>
       <p:sp>
         <p:nvSpPr>
-          <p:cNvPr id="344" name="Rectangle 343"/>
+          <p:cNvPr id="225" name="Rectangle 224"/>
           <p:cNvSpPr/>
           <p:nvPr/>
         </p:nvSpPr>
         <p:spPr>
           <a:xfrm>
-            <a:off x="463772" y="1036238"/>
-            <a:ext cx="5435705" cy="4741861"/>
+            <a:off x="5965190" y="4718381"/>
+            <a:ext cx="2964973" cy="1860219"/>
           </a:xfrm>
           <a:prstGeom prst="rect">
             <a:avLst/>
           </a:prstGeom>
-          <a:solidFill>
-            <a:srgbClr val="002060">
-              <a:alpha val="12000"/>
-            </a:srgbClr>
-          </a:solidFill>
+          <a:gradFill>
+            <a:gsLst>
+              <a:gs pos="1000">
+                <a:schemeClr val="bg2">
+                  <a:lumMod val="90000"/>
+                  <a:lumOff val="10000"/>
+                </a:schemeClr>
+              </a:gs>
+              <a:gs pos="100000">
+                <a:schemeClr val="bg1"/>
+              </a:gs>
+            </a:gsLst>
+            <a:lin ang="7200000" scaled="0"/>
+          </a:gradFill>
           <a:ln>
             <a:prstDash val="sysDash"/>
           </a:ln>
@@ -12132,486 +12141,474 @@
             <a:pPr algn="ctr"/>
             <a:r>
               <a:rPr lang="en-US" sz="800" b="1" dirty="0" smtClean="0"/>
-              <a:t>Main Host</a:t>
+              <a:t>Processing Node(s)</a:t>
             </a:r>
             <a:endParaRPr lang="es-ES" sz="800" b="1" dirty="0"/>
           </a:p>
         </p:txBody>
       </p:sp>
-      <p:grpSp>
-        <p:nvGrpSpPr>
-          <p:cNvPr id="318" name="Group 317"/>
-          <p:cNvGrpSpPr/>
+      <p:sp>
+        <p:nvSpPr>
+          <p:cNvPr id="224" name="Rectangle 223"/>
+          <p:cNvSpPr/>
           <p:nvPr/>
-        </p:nvGrpSpPr>
-        <p:grpSpPr>
+        </p:nvSpPr>
+        <p:spPr>
           <a:xfrm>
-            <a:off x="5962650" y="4616781"/>
+            <a:off x="5888990" y="4667581"/>
             <a:ext cx="2964973" cy="1860219"/>
-            <a:chOff x="5962650" y="4311981"/>
-            <a:chExt cx="2964973" cy="1860219"/>
-          </a:xfrm>
-        </p:grpSpPr>
-        <p:sp>
-          <p:nvSpPr>
-            <p:cNvPr id="299" name="Rectangle 298"/>
-            <p:cNvSpPr/>
-            <p:nvPr/>
-          </p:nvSpPr>
-          <p:spPr>
-            <a:xfrm>
-              <a:off x="5962650" y="4311981"/>
-              <a:ext cx="2964973" cy="1860219"/>
-            </a:xfrm>
-            <a:prstGeom prst="rect">
-              <a:avLst/>
-            </a:prstGeom>
-            <a:solidFill>
-              <a:srgbClr val="002060">
-                <a:alpha val="12000"/>
-              </a:srgbClr>
-            </a:solidFill>
-            <a:ln>
-              <a:prstDash val="sysDash"/>
-            </a:ln>
-          </p:spPr>
-          <p:style>
-            <a:lnRef idx="2">
-              <a:schemeClr val="accent2">
-                <a:shade val="50000"/>
-              </a:schemeClr>
-            </a:lnRef>
-            <a:fillRef idx="1">
-              <a:schemeClr val="accent2"/>
-            </a:fillRef>
-            <a:effectRef idx="0">
-              <a:schemeClr val="accent2"/>
-            </a:effectRef>
-            <a:fontRef idx="minor">
-              <a:schemeClr val="lt1"/>
-            </a:fontRef>
-          </p:style>
-          <p:txBody>
-            <a:bodyPr rtlCol="0" anchor="b" anchorCtr="0"/>
-            <a:lstStyle/>
-            <a:p>
-              <a:pPr algn="ctr"/>
-              <a:r>
-                <a:rPr lang="en-US" sz="800" b="1" dirty="0" smtClean="0"/>
-                <a:t>Processing Node(s)</a:t>
-              </a:r>
-              <a:endParaRPr lang="es-ES" sz="800" b="1" dirty="0"/>
-            </a:p>
-          </p:txBody>
-        </p:sp>
-        <p:sp>
-          <p:nvSpPr>
-            <p:cNvPr id="27" name="Rectangle 26"/>
-            <p:cNvSpPr/>
-            <p:nvPr/>
-          </p:nvSpPr>
-          <p:spPr>
-            <a:xfrm>
-              <a:off x="7136875" y="4398479"/>
-              <a:ext cx="456934" cy="1576872"/>
-            </a:xfrm>
-            <a:prstGeom prst="rect">
-              <a:avLst/>
-            </a:prstGeom>
-          </p:spPr>
-          <p:style>
-            <a:lnRef idx="1">
-              <a:schemeClr val="accent2"/>
-            </a:lnRef>
-            <a:fillRef idx="3">
-              <a:schemeClr val="accent2"/>
-            </a:fillRef>
-            <a:effectRef idx="2">
-              <a:schemeClr val="accent2"/>
-            </a:effectRef>
-            <a:fontRef idx="minor">
-              <a:schemeClr val="lt1"/>
-            </a:fontRef>
-          </p:style>
-          <p:txBody>
-            <a:bodyPr rtlCol="0" anchor="ctr"/>
-            <a:lstStyle/>
-            <a:p>
-              <a:pPr algn="ctr"/>
-              <a:endParaRPr lang="es-ES"/>
-            </a:p>
-          </p:txBody>
-        </p:sp>
-        <p:sp>
-          <p:nvSpPr>
-            <p:cNvPr id="10" name="Rectángulo 9"/>
-            <p:cNvSpPr/>
-            <p:nvPr/>
-          </p:nvSpPr>
-          <p:spPr>
-            <a:xfrm>
-              <a:off x="6061813" y="4532029"/>
-              <a:ext cx="1230828" cy="352342"/>
-            </a:xfrm>
-            <a:prstGeom prst="rect">
-              <a:avLst/>
-            </a:prstGeom>
-            <a:solidFill>
-              <a:srgbClr val="660066"/>
-            </a:solidFill>
-          </p:spPr>
-          <p:style>
-            <a:lnRef idx="0">
-              <a:schemeClr val="accent1"/>
-            </a:lnRef>
-            <a:fillRef idx="3">
-              <a:schemeClr val="accent1"/>
-            </a:fillRef>
-            <a:effectRef idx="3">
-              <a:schemeClr val="accent1"/>
-            </a:effectRef>
-            <a:fontRef idx="minor">
-              <a:schemeClr val="lt1"/>
-            </a:fontRef>
-          </p:style>
-          <p:txBody>
-            <a:bodyPr rtlCol="0" anchor="ctr"/>
-            <a:lstStyle/>
-            <a:p>
-              <a:pPr algn="ctr"/>
-              <a:r>
-                <a:rPr lang="es-ES" sz="1000" b="1" dirty="0" err="1"/>
-                <a:t>Task</a:t>
-              </a:r>
-              <a:r>
-                <a:rPr lang="es-ES" sz="1000" b="1" dirty="0"/>
-                <a:t> </a:t>
-              </a:r>
-              <a:r>
-                <a:rPr lang="es-ES" sz="1000" b="1" dirty="0" err="1"/>
-                <a:t>Agent</a:t>
-              </a:r>
-              <a:r>
-                <a:rPr lang="es-ES" sz="1000" b="1" dirty="0"/>
-                <a:t> 1</a:t>
-              </a:r>
-            </a:p>
-            <a:p>
-              <a:pPr algn="ctr"/>
-              <a:r>
-                <a:rPr lang="es-ES" sz="800" dirty="0" err="1" smtClean="0"/>
-                <a:t>TaskAg</a:t>
-              </a:r>
-              <a:endParaRPr lang="es-ES" sz="800" dirty="0"/>
-            </a:p>
-          </p:txBody>
-        </p:sp>
-        <p:sp>
-          <p:nvSpPr>
-            <p:cNvPr id="11" name="Rectángulo 10"/>
-            <p:cNvSpPr/>
-            <p:nvPr/>
-          </p:nvSpPr>
-          <p:spPr>
-            <a:xfrm>
-              <a:off x="6061813" y="5477331"/>
-              <a:ext cx="1230828" cy="352342"/>
-            </a:xfrm>
-            <a:prstGeom prst="rect">
-              <a:avLst/>
-            </a:prstGeom>
-            <a:solidFill>
-              <a:srgbClr val="660066"/>
-            </a:solidFill>
-          </p:spPr>
-          <p:style>
-            <a:lnRef idx="0">
-              <a:schemeClr val="accent1"/>
-            </a:lnRef>
-            <a:fillRef idx="3">
-              <a:schemeClr val="accent1"/>
-            </a:fillRef>
-            <a:effectRef idx="3">
-              <a:schemeClr val="accent1"/>
-            </a:effectRef>
-            <a:fontRef idx="minor">
-              <a:schemeClr val="lt1"/>
-            </a:fontRef>
-          </p:style>
-          <p:txBody>
-            <a:bodyPr rtlCol="0" anchor="ctr"/>
-            <a:lstStyle/>
-            <a:p>
-              <a:pPr algn="ctr"/>
-              <a:r>
-                <a:rPr lang="es-ES" sz="1000" b="1" dirty="0" err="1"/>
-                <a:t>Task</a:t>
-              </a:r>
-              <a:r>
-                <a:rPr lang="es-ES" sz="1000" b="1" dirty="0"/>
-                <a:t> </a:t>
-              </a:r>
-              <a:r>
-                <a:rPr lang="es-ES" sz="1000" b="1" dirty="0" err="1"/>
-                <a:t>Agent</a:t>
-              </a:r>
-              <a:r>
-                <a:rPr lang="es-ES" sz="1000" b="1" dirty="0"/>
-                <a:t> N</a:t>
-              </a:r>
-            </a:p>
-            <a:p>
-              <a:pPr algn="ctr"/>
-              <a:r>
-                <a:rPr lang="es-ES" sz="800" dirty="0" err="1" smtClean="0"/>
-                <a:t>TaskAg</a:t>
-              </a:r>
-              <a:endParaRPr lang="es-ES" sz="800" dirty="0"/>
-            </a:p>
-          </p:txBody>
-        </p:sp>
-        <p:sp>
-          <p:nvSpPr>
-            <p:cNvPr id="13" name="Recortar rectángulo de esquina diagonal 12"/>
-            <p:cNvSpPr/>
-            <p:nvPr/>
-          </p:nvSpPr>
-          <p:spPr>
-            <a:xfrm>
-              <a:off x="7494581" y="4487346"/>
-              <a:ext cx="1287257" cy="297918"/>
-            </a:xfrm>
-            <a:prstGeom prst="snip2DiagRect">
-              <a:avLst/>
-            </a:prstGeom>
-          </p:spPr>
-          <p:style>
-            <a:lnRef idx="0">
-              <a:schemeClr val="accent2"/>
-            </a:lnRef>
-            <a:fillRef idx="3">
-              <a:schemeClr val="accent2"/>
-            </a:fillRef>
-            <a:effectRef idx="3">
-              <a:schemeClr val="accent2"/>
-            </a:effectRef>
-            <a:fontRef idx="minor">
-              <a:schemeClr val="lt1"/>
-            </a:fontRef>
-          </p:style>
-          <p:txBody>
-            <a:bodyPr rtlCol="0" anchor="ctr"/>
-            <a:lstStyle/>
-            <a:p>
-              <a:pPr algn="ctr"/>
-              <a:r>
-                <a:rPr lang="es-ES" sz="800" dirty="0" err="1"/>
-                <a:t>Docker</a:t>
-              </a:r>
-              <a:r>
-                <a:rPr lang="es-ES" sz="800" dirty="0"/>
-                <a:t> </a:t>
-              </a:r>
-              <a:r>
-                <a:rPr lang="es-ES" sz="800" dirty="0" err="1"/>
-                <a:t>Processing</a:t>
-              </a:r>
-              <a:r>
-                <a:rPr lang="es-ES" sz="800" dirty="0"/>
-                <a:t> </a:t>
-              </a:r>
-              <a:r>
-                <a:rPr lang="es-ES" sz="800" dirty="0" err="1"/>
-                <a:t>Element</a:t>
-              </a:r>
-              <a:r>
-                <a:rPr lang="es-ES" sz="800" dirty="0"/>
-                <a:t> 1</a:t>
-              </a:r>
-            </a:p>
-          </p:txBody>
-        </p:sp>
-        <p:sp>
-          <p:nvSpPr>
-            <p:cNvPr id="14" name="Recortar rectángulo de esquina diagonal 13"/>
-            <p:cNvSpPr/>
-            <p:nvPr/>
-          </p:nvSpPr>
-          <p:spPr>
-            <a:xfrm>
-              <a:off x="7494581" y="4905405"/>
-              <a:ext cx="1287257" cy="297918"/>
-            </a:xfrm>
-            <a:prstGeom prst="snip2DiagRect">
-              <a:avLst/>
-            </a:prstGeom>
-          </p:spPr>
-          <p:style>
-            <a:lnRef idx="0">
-              <a:schemeClr val="accent2"/>
-            </a:lnRef>
-            <a:fillRef idx="3">
-              <a:schemeClr val="accent2"/>
-            </a:fillRef>
-            <a:effectRef idx="3">
-              <a:schemeClr val="accent2"/>
-            </a:effectRef>
-            <a:fontRef idx="minor">
-              <a:schemeClr val="lt1"/>
-            </a:fontRef>
-          </p:style>
-          <p:txBody>
-            <a:bodyPr rtlCol="0" anchor="ctr"/>
-            <a:lstStyle/>
-            <a:p>
-              <a:pPr algn="ctr"/>
-              <a:r>
-                <a:rPr lang="es-ES" sz="800" dirty="0" err="1"/>
-                <a:t>Docker</a:t>
-              </a:r>
-              <a:r>
-                <a:rPr lang="es-ES" sz="800" dirty="0"/>
-                <a:t> </a:t>
-              </a:r>
-              <a:r>
-                <a:rPr lang="es-ES" sz="800" dirty="0" err="1"/>
-                <a:t>Processing</a:t>
-              </a:r>
-              <a:r>
-                <a:rPr lang="es-ES" sz="800" dirty="0"/>
-                <a:t> </a:t>
-              </a:r>
-              <a:r>
-                <a:rPr lang="es-ES" sz="800" dirty="0" err="1"/>
-                <a:t>Element</a:t>
-              </a:r>
-              <a:r>
-                <a:rPr lang="es-ES" sz="800" dirty="0"/>
-                <a:t> 2</a:t>
-              </a:r>
-            </a:p>
-          </p:txBody>
-        </p:sp>
-        <p:sp>
-          <p:nvSpPr>
-            <p:cNvPr id="15" name="Recortar rectángulo de esquina diagonal 14"/>
-            <p:cNvSpPr/>
-            <p:nvPr/>
-          </p:nvSpPr>
-          <p:spPr>
-            <a:xfrm>
-              <a:off x="7494581" y="5601710"/>
-              <a:ext cx="1287257" cy="297918"/>
-            </a:xfrm>
-            <a:prstGeom prst="snip2DiagRect">
-              <a:avLst/>
-            </a:prstGeom>
-          </p:spPr>
-          <p:style>
-            <a:lnRef idx="0">
-              <a:schemeClr val="accent2"/>
-            </a:lnRef>
-            <a:fillRef idx="3">
-              <a:schemeClr val="accent2"/>
-            </a:fillRef>
-            <a:effectRef idx="3">
-              <a:schemeClr val="accent2"/>
-            </a:effectRef>
-            <a:fontRef idx="minor">
-              <a:schemeClr val="lt1"/>
-            </a:fontRef>
-          </p:style>
-          <p:txBody>
-            <a:bodyPr rtlCol="0" anchor="ctr"/>
-            <a:lstStyle/>
-            <a:p>
-              <a:pPr algn="ctr"/>
-              <a:r>
-                <a:rPr lang="es-ES" sz="800" dirty="0" err="1"/>
-                <a:t>Docker</a:t>
-              </a:r>
-              <a:r>
-                <a:rPr lang="es-ES" sz="800" dirty="0"/>
-                <a:t> </a:t>
-              </a:r>
-              <a:r>
-                <a:rPr lang="es-ES" sz="800" dirty="0" err="1"/>
-                <a:t>Processing</a:t>
-              </a:r>
-              <a:r>
-                <a:rPr lang="es-ES" sz="800" dirty="0"/>
-                <a:t> </a:t>
-              </a:r>
-              <a:r>
-                <a:rPr lang="es-ES" sz="800" dirty="0" err="1"/>
-                <a:t>Element</a:t>
-              </a:r>
-              <a:r>
-                <a:rPr lang="es-ES" sz="800" dirty="0"/>
-                <a:t> M</a:t>
-              </a:r>
-            </a:p>
-          </p:txBody>
-        </p:sp>
-        <p:sp>
-          <p:nvSpPr>
-            <p:cNvPr id="17" name="CuadroTexto 16"/>
-            <p:cNvSpPr txBox="1"/>
-            <p:nvPr/>
-          </p:nvSpPr>
-          <p:spPr>
-            <a:xfrm>
-              <a:off x="6513460" y="4900408"/>
-              <a:ext cx="367596" cy="369332"/>
-            </a:xfrm>
-            <a:prstGeom prst="rect">
-              <a:avLst/>
-            </a:prstGeom>
-            <a:noFill/>
-          </p:spPr>
-          <p:txBody>
-            <a:bodyPr wrap="none" rtlCol="0">
-              <a:spAutoFit/>
-            </a:bodyPr>
-            <a:lstStyle/>
-            <a:p>
-              <a:r>
-                <a:rPr lang="es-ES" dirty="0"/>
-                <a:t>…</a:t>
-              </a:r>
-            </a:p>
-          </p:txBody>
-        </p:sp>
-        <p:sp>
-          <p:nvSpPr>
-            <p:cNvPr id="18" name="CuadroTexto 17"/>
-            <p:cNvSpPr txBox="1"/>
-            <p:nvPr/>
-          </p:nvSpPr>
-          <p:spPr>
-            <a:xfrm>
-              <a:off x="7954411" y="5198030"/>
-              <a:ext cx="367596" cy="369332"/>
-            </a:xfrm>
-            <a:prstGeom prst="rect">
-              <a:avLst/>
-            </a:prstGeom>
-            <a:noFill/>
-          </p:spPr>
-          <p:txBody>
-            <a:bodyPr wrap="none" rtlCol="0">
-              <a:spAutoFit/>
-            </a:bodyPr>
-            <a:lstStyle/>
-            <a:p>
-              <a:r>
-                <a:rPr lang="es-ES" dirty="0"/>
-                <a:t>…</a:t>
-              </a:r>
-            </a:p>
-          </p:txBody>
-        </p:sp>
-      </p:grpSp>
+          </a:xfrm>
+          <a:prstGeom prst="rect">
+            <a:avLst/>
+          </a:prstGeom>
+          <a:gradFill>
+            <a:gsLst>
+              <a:gs pos="1000">
+                <a:schemeClr val="bg2">
+                  <a:lumMod val="90000"/>
+                  <a:lumOff val="10000"/>
+                </a:schemeClr>
+              </a:gs>
+              <a:gs pos="100000">
+                <a:schemeClr val="bg1"/>
+              </a:gs>
+            </a:gsLst>
+            <a:lin ang="7200000" scaled="0"/>
+          </a:gradFill>
+          <a:ln>
+            <a:prstDash val="sysDash"/>
+          </a:ln>
+        </p:spPr>
+        <p:style>
+          <a:lnRef idx="2">
+            <a:schemeClr val="accent2">
+              <a:shade val="50000"/>
+            </a:schemeClr>
+          </a:lnRef>
+          <a:fillRef idx="1">
+            <a:schemeClr val="accent2"/>
+          </a:fillRef>
+          <a:effectRef idx="0">
+            <a:schemeClr val="accent2"/>
+          </a:effectRef>
+          <a:fontRef idx="minor">
+            <a:schemeClr val="lt1"/>
+          </a:fontRef>
+        </p:style>
+        <p:txBody>
+          <a:bodyPr rtlCol="0" anchor="b" anchorCtr="0"/>
+          <a:lstStyle/>
+          <a:p>
+            <a:pPr algn="ctr"/>
+            <a:r>
+              <a:rPr lang="en-US" sz="800" b="1" dirty="0" smtClean="0"/>
+              <a:t>Processing Node(s)</a:t>
+            </a:r>
+            <a:endParaRPr lang="es-ES" sz="800" b="1" dirty="0"/>
+          </a:p>
+        </p:txBody>
+      </p:sp>
+      <p:sp>
+        <p:nvSpPr>
+          <p:cNvPr id="344" name="Rectangle 343"/>
+          <p:cNvSpPr/>
+          <p:nvPr/>
+        </p:nvSpPr>
+        <p:spPr>
+          <a:xfrm>
+            <a:off x="-1481707" y="6613304"/>
+            <a:ext cx="5435705" cy="4741861"/>
+          </a:xfrm>
+          <a:prstGeom prst="rect">
+            <a:avLst/>
+          </a:prstGeom>
+          <a:gradFill>
+            <a:gsLst>
+              <a:gs pos="1000">
+                <a:schemeClr val="bg2">
+                  <a:lumMod val="90000"/>
+                  <a:lumOff val="10000"/>
+                </a:schemeClr>
+              </a:gs>
+              <a:gs pos="100000">
+                <a:schemeClr val="bg1"/>
+              </a:gs>
+            </a:gsLst>
+            <a:lin ang="1800000" scaled="0"/>
+          </a:gradFill>
+          <a:ln>
+            <a:prstDash val="sysDash"/>
+          </a:ln>
+        </p:spPr>
+        <p:style>
+          <a:lnRef idx="2">
+            <a:schemeClr val="accent2">
+              <a:shade val="50000"/>
+            </a:schemeClr>
+          </a:lnRef>
+          <a:fillRef idx="1">
+            <a:schemeClr val="accent2"/>
+          </a:fillRef>
+          <a:effectRef idx="0">
+            <a:schemeClr val="accent2"/>
+          </a:effectRef>
+          <a:fontRef idx="minor">
+            <a:schemeClr val="lt1"/>
+          </a:fontRef>
+        </p:style>
+        <p:txBody>
+          <a:bodyPr rtlCol="0" anchor="b" anchorCtr="0"/>
+          <a:lstStyle/>
+          <a:p>
+            <a:pPr algn="ctr"/>
+            <a:r>
+              <a:rPr lang="en-US" sz="800" b="1" dirty="0" smtClean="0"/>
+              <a:t>Main Host</a:t>
+            </a:r>
+            <a:endParaRPr lang="es-ES" sz="800" b="1" dirty="0"/>
+          </a:p>
+        </p:txBody>
+      </p:sp>
+      <p:sp>
+        <p:nvSpPr>
+          <p:cNvPr id="299" name="Rectangle 298"/>
+          <p:cNvSpPr/>
+          <p:nvPr/>
+        </p:nvSpPr>
+        <p:spPr>
+          <a:xfrm>
+            <a:off x="5825490" y="4616781"/>
+            <a:ext cx="2964973" cy="1860219"/>
+          </a:xfrm>
+          <a:prstGeom prst="rect">
+            <a:avLst/>
+          </a:prstGeom>
+          <a:gradFill>
+            <a:gsLst>
+              <a:gs pos="1000">
+                <a:schemeClr val="bg2">
+                  <a:lumMod val="90000"/>
+                  <a:lumOff val="10000"/>
+                </a:schemeClr>
+              </a:gs>
+              <a:gs pos="100000">
+                <a:schemeClr val="bg1"/>
+              </a:gs>
+            </a:gsLst>
+            <a:lin ang="7200000" scaled="0"/>
+          </a:gradFill>
+          <a:ln>
+            <a:prstDash val="sysDash"/>
+          </a:ln>
+        </p:spPr>
+        <p:style>
+          <a:lnRef idx="2">
+            <a:schemeClr val="accent2">
+              <a:shade val="50000"/>
+            </a:schemeClr>
+          </a:lnRef>
+          <a:fillRef idx="1">
+            <a:schemeClr val="accent2"/>
+          </a:fillRef>
+          <a:effectRef idx="0">
+            <a:schemeClr val="accent2"/>
+          </a:effectRef>
+          <a:fontRef idx="minor">
+            <a:schemeClr val="lt1"/>
+          </a:fontRef>
+        </p:style>
+        <p:txBody>
+          <a:bodyPr rtlCol="0" anchor="b" anchorCtr="0"/>
+          <a:lstStyle/>
+          <a:p>
+            <a:pPr algn="ctr"/>
+            <a:r>
+              <a:rPr lang="en-US" sz="800" b="1" dirty="0" smtClean="0"/>
+              <a:t>Processing Node(s)</a:t>
+            </a:r>
+            <a:endParaRPr lang="es-ES" sz="800" b="1" dirty="0"/>
+          </a:p>
+        </p:txBody>
+      </p:sp>
+      <p:sp>
+        <p:nvSpPr>
+          <p:cNvPr id="27" name="Rectangle 26"/>
+          <p:cNvSpPr/>
+          <p:nvPr/>
+        </p:nvSpPr>
+        <p:spPr>
+          <a:xfrm>
+            <a:off x="6999715" y="4703279"/>
+            <a:ext cx="456934" cy="1576872"/>
+          </a:xfrm>
+          <a:prstGeom prst="rect">
+            <a:avLst/>
+          </a:prstGeom>
+        </p:spPr>
+        <p:style>
+          <a:lnRef idx="1">
+            <a:schemeClr val="accent2"/>
+          </a:lnRef>
+          <a:fillRef idx="3">
+            <a:schemeClr val="accent2"/>
+          </a:fillRef>
+          <a:effectRef idx="2">
+            <a:schemeClr val="accent2"/>
+          </a:effectRef>
+          <a:fontRef idx="minor">
+            <a:schemeClr val="lt1"/>
+          </a:fontRef>
+        </p:style>
+        <p:txBody>
+          <a:bodyPr rtlCol="0" anchor="ctr"/>
+          <a:lstStyle/>
+          <a:p>
+            <a:pPr algn="ctr"/>
+            <a:endParaRPr lang="es-ES"/>
+          </a:p>
+        </p:txBody>
+      </p:sp>
+      <p:sp>
+        <p:nvSpPr>
+          <p:cNvPr id="13" name="Recortar rectángulo de esquina diagonal 12"/>
+          <p:cNvSpPr/>
+          <p:nvPr/>
+        </p:nvSpPr>
+        <p:spPr>
+          <a:xfrm>
+            <a:off x="7357421" y="4792146"/>
+            <a:ext cx="1287257" cy="297918"/>
+          </a:xfrm>
+          <a:prstGeom prst="snip2DiagRect">
+            <a:avLst/>
+          </a:prstGeom>
+        </p:spPr>
+        <p:style>
+          <a:lnRef idx="0">
+            <a:schemeClr val="accent2"/>
+          </a:lnRef>
+          <a:fillRef idx="3">
+            <a:schemeClr val="accent2"/>
+          </a:fillRef>
+          <a:effectRef idx="3">
+            <a:schemeClr val="accent2"/>
+          </a:effectRef>
+          <a:fontRef idx="minor">
+            <a:schemeClr val="lt1"/>
+          </a:fontRef>
+        </p:style>
+        <p:txBody>
+          <a:bodyPr rtlCol="0" anchor="ctr"/>
+          <a:lstStyle/>
+          <a:p>
+            <a:pPr algn="ctr"/>
+            <a:r>
+              <a:rPr lang="es-ES" sz="800" dirty="0" err="1"/>
+              <a:t>Docker</a:t>
+            </a:r>
+            <a:r>
+              <a:rPr lang="es-ES" sz="800" dirty="0"/>
+              <a:t> </a:t>
+            </a:r>
+            <a:r>
+              <a:rPr lang="es-ES" sz="800" dirty="0" err="1"/>
+              <a:t>Processing</a:t>
+            </a:r>
+            <a:r>
+              <a:rPr lang="es-ES" sz="800" dirty="0"/>
+              <a:t> </a:t>
+            </a:r>
+            <a:r>
+              <a:rPr lang="es-ES" sz="800" dirty="0" err="1"/>
+              <a:t>Element</a:t>
+            </a:r>
+            <a:r>
+              <a:rPr lang="es-ES" sz="800" dirty="0"/>
+              <a:t> 1</a:t>
+            </a:r>
+          </a:p>
+        </p:txBody>
+      </p:sp>
+      <p:sp>
+        <p:nvSpPr>
+          <p:cNvPr id="14" name="Recortar rectángulo de esquina diagonal 13"/>
+          <p:cNvSpPr/>
+          <p:nvPr/>
+        </p:nvSpPr>
+        <p:spPr>
+          <a:xfrm>
+            <a:off x="7357421" y="5210205"/>
+            <a:ext cx="1287257" cy="297918"/>
+          </a:xfrm>
+          <a:prstGeom prst="snip2DiagRect">
+            <a:avLst/>
+          </a:prstGeom>
+        </p:spPr>
+        <p:style>
+          <a:lnRef idx="0">
+            <a:schemeClr val="accent2"/>
+          </a:lnRef>
+          <a:fillRef idx="3">
+            <a:schemeClr val="accent2"/>
+          </a:fillRef>
+          <a:effectRef idx="3">
+            <a:schemeClr val="accent2"/>
+          </a:effectRef>
+          <a:fontRef idx="minor">
+            <a:schemeClr val="lt1"/>
+          </a:fontRef>
+        </p:style>
+        <p:txBody>
+          <a:bodyPr rtlCol="0" anchor="ctr"/>
+          <a:lstStyle/>
+          <a:p>
+            <a:pPr algn="ctr"/>
+            <a:r>
+              <a:rPr lang="es-ES" sz="800" dirty="0" err="1"/>
+              <a:t>Docker</a:t>
+            </a:r>
+            <a:r>
+              <a:rPr lang="es-ES" sz="800" dirty="0"/>
+              <a:t> </a:t>
+            </a:r>
+            <a:r>
+              <a:rPr lang="es-ES" sz="800" dirty="0" err="1"/>
+              <a:t>Processing</a:t>
+            </a:r>
+            <a:r>
+              <a:rPr lang="es-ES" sz="800" dirty="0"/>
+              <a:t> </a:t>
+            </a:r>
+            <a:r>
+              <a:rPr lang="es-ES" sz="800" dirty="0" err="1"/>
+              <a:t>Element</a:t>
+            </a:r>
+            <a:r>
+              <a:rPr lang="es-ES" sz="800" dirty="0"/>
+              <a:t> 2</a:t>
+            </a:r>
+          </a:p>
+        </p:txBody>
+      </p:sp>
+      <p:sp>
+        <p:nvSpPr>
+          <p:cNvPr id="15" name="Recortar rectángulo de esquina diagonal 14"/>
+          <p:cNvSpPr/>
+          <p:nvPr/>
+        </p:nvSpPr>
+        <p:spPr>
+          <a:xfrm>
+            <a:off x="7357421" y="5906510"/>
+            <a:ext cx="1287257" cy="297918"/>
+          </a:xfrm>
+          <a:prstGeom prst="snip2DiagRect">
+            <a:avLst/>
+          </a:prstGeom>
+        </p:spPr>
+        <p:style>
+          <a:lnRef idx="0">
+            <a:schemeClr val="accent2"/>
+          </a:lnRef>
+          <a:fillRef idx="3">
+            <a:schemeClr val="accent2"/>
+          </a:fillRef>
+          <a:effectRef idx="3">
+            <a:schemeClr val="accent2"/>
+          </a:effectRef>
+          <a:fontRef idx="minor">
+            <a:schemeClr val="lt1"/>
+          </a:fontRef>
+        </p:style>
+        <p:txBody>
+          <a:bodyPr rtlCol="0" anchor="ctr"/>
+          <a:lstStyle/>
+          <a:p>
+            <a:pPr algn="ctr"/>
+            <a:r>
+              <a:rPr lang="es-ES" sz="800" dirty="0" err="1"/>
+              <a:t>Docker</a:t>
+            </a:r>
+            <a:r>
+              <a:rPr lang="es-ES" sz="800" dirty="0"/>
+              <a:t> </a:t>
+            </a:r>
+            <a:r>
+              <a:rPr lang="es-ES" sz="800" dirty="0" err="1"/>
+              <a:t>Processing</a:t>
+            </a:r>
+            <a:r>
+              <a:rPr lang="es-ES" sz="800" dirty="0"/>
+              <a:t> </a:t>
+            </a:r>
+            <a:r>
+              <a:rPr lang="es-ES" sz="800" dirty="0" err="1"/>
+              <a:t>Element</a:t>
+            </a:r>
+            <a:r>
+              <a:rPr lang="es-ES" sz="800" dirty="0"/>
+              <a:t> M</a:t>
+            </a:r>
+          </a:p>
+        </p:txBody>
+      </p:sp>
+      <p:sp>
+        <p:nvSpPr>
+          <p:cNvPr id="17" name="CuadroTexto 16"/>
+          <p:cNvSpPr txBox="1"/>
+          <p:nvPr/>
+        </p:nvSpPr>
+        <p:spPr>
+          <a:xfrm>
+            <a:off x="6376300" y="5205208"/>
+            <a:ext cx="367596" cy="369332"/>
+          </a:xfrm>
+          <a:prstGeom prst="rect">
+            <a:avLst/>
+          </a:prstGeom>
+          <a:noFill/>
+        </p:spPr>
+        <p:txBody>
+          <a:bodyPr wrap="none" rtlCol="0">
+            <a:spAutoFit/>
+          </a:bodyPr>
+          <a:lstStyle/>
+          <a:p>
+            <a:r>
+              <a:rPr lang="es-ES" dirty="0"/>
+              <a:t>…</a:t>
+            </a:r>
+          </a:p>
+        </p:txBody>
+      </p:sp>
+      <p:sp>
+        <p:nvSpPr>
+          <p:cNvPr id="18" name="CuadroTexto 17"/>
+          <p:cNvSpPr txBox="1"/>
+          <p:nvPr/>
+        </p:nvSpPr>
+        <p:spPr>
+          <a:xfrm>
+            <a:off x="7817251" y="5502830"/>
+            <a:ext cx="367596" cy="369332"/>
+          </a:xfrm>
+          <a:prstGeom prst="rect">
+            <a:avLst/>
+          </a:prstGeom>
+          <a:noFill/>
+        </p:spPr>
+        <p:txBody>
+          <a:bodyPr wrap="none" rtlCol="0">
+            <a:spAutoFit/>
+          </a:bodyPr>
+          <a:lstStyle/>
+          <a:p>
+            <a:r>
+              <a:rPr lang="es-ES" dirty="0"/>
+              <a:t>…</a:t>
+            </a:r>
+          </a:p>
+        </p:txBody>
+      </p:sp>
       <p:sp>
         <p:nvSpPr>
           <p:cNvPr id="2" name="Título 1"/>
@@ -12654,7 +12651,7 @@
         </p:nvGrpSpPr>
         <p:grpSpPr>
           <a:xfrm>
-            <a:off x="1243048" y="3152188"/>
+            <a:off x="1105347" y="3152188"/>
             <a:ext cx="1235038" cy="530634"/>
             <a:chOff x="3163288" y="3152188"/>
             <a:chExt cx="1235038" cy="530634"/>
@@ -13214,7 +13211,7 @@
         </p:nvGrpSpPr>
         <p:grpSpPr>
           <a:xfrm>
-            <a:off x="3577709" y="2815638"/>
+            <a:off x="3440104" y="2815638"/>
             <a:ext cx="1238575" cy="530636"/>
             <a:chOff x="5497949" y="3152188"/>
             <a:chExt cx="1238575" cy="530636"/>
@@ -13770,7 +13767,7 @@
         </p:nvGrpSpPr>
         <p:grpSpPr>
           <a:xfrm>
-            <a:off x="1240084" y="1310397"/>
+            <a:off x="1106695" y="1310397"/>
             <a:ext cx="1232343" cy="533015"/>
             <a:chOff x="3166674" y="1310397"/>
             <a:chExt cx="1232343" cy="533015"/>
@@ -14021,7 +14018,7 @@
         </p:nvGrpSpPr>
         <p:grpSpPr>
           <a:xfrm>
-            <a:off x="3584766" y="3928564"/>
+            <a:off x="3443632" y="3928564"/>
             <a:ext cx="1231518" cy="534434"/>
             <a:chOff x="843846" y="4337201"/>
             <a:chExt cx="1231518" cy="534434"/>
@@ -14574,7 +14571,7 @@
         </p:nvGrpSpPr>
         <p:grpSpPr>
           <a:xfrm>
-            <a:off x="3576818" y="4916279"/>
+            <a:off x="3443187" y="4916279"/>
             <a:ext cx="1232409" cy="533850"/>
             <a:chOff x="5498639" y="4337201"/>
             <a:chExt cx="1232409" cy="533850"/>
@@ -15133,13 +15130,13 @@
           <p:nvPr/>
         </p:nvCxnSpPr>
         <p:spPr>
-          <a:xfrm rot="10800000" flipH="1" flipV="1">
-            <a:off x="1240084" y="1704756"/>
-            <a:ext cx="2964" cy="1547902"/>
+          <a:xfrm rot="10800000" flipV="1">
+            <a:off x="1105347" y="1704756"/>
+            <a:ext cx="1348" cy="1547902"/>
           </a:xfrm>
           <a:prstGeom prst="bentConnector3">
             <a:avLst>
-              <a:gd name="adj1" fmla="val -7712551"/>
+              <a:gd name="adj1" fmla="val 17058457"/>
             </a:avLst>
           </a:prstGeom>
           <a:ln w="6350">
@@ -15178,8 +15175,8 @@
         </p:nvCxnSpPr>
         <p:spPr>
           <a:xfrm>
-            <a:off x="2479968" y="4113219"/>
-            <a:ext cx="1104798" cy="38"/>
+            <a:off x="2340412" y="4113219"/>
+            <a:ext cx="1103220" cy="38"/>
           </a:xfrm>
           <a:prstGeom prst="bentConnector3">
             <a:avLst>
@@ -15222,8 +15219,8 @@
         </p:nvCxnSpPr>
         <p:spPr>
           <a:xfrm rot="10800000">
-            <a:off x="2479968" y="4362491"/>
-            <a:ext cx="1104798" cy="38"/>
+            <a:off x="2340412" y="4362491"/>
+            <a:ext cx="1103220" cy="38"/>
           </a:xfrm>
           <a:prstGeom prst="bentConnector3">
             <a:avLst>
@@ -15258,18 +15255,18 @@
           <p:cNvPr id="57" name="Conector angular 56"/>
           <p:cNvCxnSpPr>
             <a:stCxn id="204" idx="3"/>
-            <a:endCxn id="10" idx="1"/>
+            <a:endCxn id="218" idx="1"/>
           </p:cNvCxnSpPr>
           <p:nvPr/>
         </p:nvCxnSpPr>
         <p:spPr>
           <a:xfrm flipV="1">
-            <a:off x="4809227" y="5013000"/>
-            <a:ext cx="1252586" cy="6965"/>
+            <a:off x="4675596" y="4991307"/>
+            <a:ext cx="1249057" cy="28658"/>
           </a:xfrm>
           <a:prstGeom prst="bentConnector3">
             <a:avLst>
-              <a:gd name="adj1" fmla="val 50000"/>
+              <a:gd name="adj1" fmla="val 39515"/>
             </a:avLst>
           </a:prstGeom>
           <a:ln w="6350">
@@ -15299,15 +15296,15 @@
         <p:nvCxnSpPr>
           <p:cNvPr id="60" name="Conector angular 59"/>
           <p:cNvCxnSpPr>
-            <a:stCxn id="207" idx="3"/>
-            <a:endCxn id="11" idx="1"/>
+            <a:stCxn id="205" idx="3"/>
+            <a:endCxn id="222" idx="1"/>
           </p:cNvCxnSpPr>
           <p:nvPr/>
         </p:nvCxnSpPr>
         <p:spPr>
           <a:xfrm>
-            <a:off x="4809227" y="5349660"/>
-            <a:ext cx="1252586" cy="608642"/>
+            <a:off x="4675596" y="5269237"/>
+            <a:ext cx="1249057" cy="660080"/>
           </a:xfrm>
           <a:prstGeom prst="bentConnector3">
             <a:avLst>
@@ -15348,18 +15345,15 @@
         </p:nvCxnSpPr>
         <p:spPr>
           <a:xfrm flipH="1">
-            <a:off x="1860291" y="3682822"/>
-            <a:ext cx="2381" cy="326719"/>
+            <a:off x="1720735" y="3682822"/>
+            <a:ext cx="4236" cy="326719"/>
           </a:xfrm>
           <a:prstGeom prst="straightConnector1">
             <a:avLst/>
           </a:prstGeom>
           <a:ln w="6350">
             <a:solidFill>
-              <a:schemeClr val="accent5">
-                <a:lumMod val="60000"/>
-                <a:lumOff val="40000"/>
-              </a:schemeClr>
+              <a:srgbClr val="FF0000"/>
             </a:solidFill>
             <a:tailEnd type="stealth"/>
           </a:ln>
@@ -15387,7 +15381,7 @@
         </p:nvSpPr>
         <p:spPr>
           <a:xfrm>
-            <a:off x="1544892" y="2911513"/>
+            <a:off x="1407732" y="2911513"/>
             <a:ext cx="447558" cy="184666"/>
           </a:xfrm>
           <a:prstGeom prst="rect">
@@ -15417,7 +15411,7 @@
         </p:nvSpPr>
         <p:spPr>
           <a:xfrm>
-            <a:off x="3087844" y="2443224"/>
+            <a:off x="2818369" y="2908733"/>
             <a:ext cx="643125" cy="184666"/>
           </a:xfrm>
           <a:prstGeom prst="rect">
@@ -15454,7 +15448,7 @@
         </p:nvSpPr>
         <p:spPr>
           <a:xfrm>
-            <a:off x="1815779" y="1914302"/>
+            <a:off x="1678619" y="1914302"/>
             <a:ext cx="643125" cy="184666"/>
           </a:xfrm>
           <a:prstGeom prst="rect">
@@ -15489,7 +15483,7 @@
         </p:nvSpPr>
         <p:spPr>
           <a:xfrm>
-            <a:off x="1880506" y="3737477"/>
+            <a:off x="1743346" y="3737477"/>
             <a:ext cx="643125" cy="184666"/>
           </a:xfrm>
           <a:prstGeom prst="rect">
@@ -15524,7 +15518,7 @@
         </p:nvSpPr>
         <p:spPr>
           <a:xfrm>
-            <a:off x="473297" y="3287282"/>
+            <a:off x="336137" y="3287282"/>
             <a:ext cx="643125" cy="184666"/>
           </a:xfrm>
           <a:prstGeom prst="rect">
@@ -15562,7 +15556,7 @@
         </p:nvSpPr>
         <p:spPr>
           <a:xfrm>
-            <a:off x="2472572" y="4072872"/>
+            <a:off x="2335412" y="4072872"/>
             <a:ext cx="447558" cy="184666"/>
           </a:xfrm>
           <a:prstGeom prst="rect">
@@ -15592,7 +15586,7 @@
         </p:nvSpPr>
         <p:spPr>
           <a:xfrm>
-            <a:off x="4091353" y="6204428"/>
+            <a:off x="4780016" y="5312368"/>
             <a:ext cx="484365" cy="184666"/>
           </a:xfrm>
           <a:prstGeom prst="rect">
@@ -15621,7 +15615,7 @@
         </p:nvSpPr>
         <p:spPr>
           <a:xfrm>
-            <a:off x="5435520" y="4874038"/>
+            <a:off x="5298360" y="4845466"/>
             <a:ext cx="556563" cy="184666"/>
           </a:xfrm>
           <a:prstGeom prst="rect">
@@ -15650,7 +15644,7 @@
         </p:nvSpPr>
         <p:spPr>
           <a:xfrm>
-            <a:off x="727683" y="1555813"/>
+            <a:off x="590523" y="1555813"/>
             <a:ext cx="535724" cy="184666"/>
           </a:xfrm>
           <a:prstGeom prst="rect">
@@ -15694,7 +15688,7 @@
         </p:nvSpPr>
         <p:spPr>
           <a:xfrm>
-            <a:off x="1123879" y="2793526"/>
+            <a:off x="986719" y="2793526"/>
             <a:ext cx="498855" cy="184666"/>
           </a:xfrm>
           <a:prstGeom prst="rect">
@@ -15738,7 +15732,7 @@
         </p:nvSpPr>
         <p:spPr>
           <a:xfrm>
-            <a:off x="4171523" y="4675083"/>
+            <a:off x="4034363" y="4675083"/>
             <a:ext cx="484365" cy="184666"/>
           </a:xfrm>
           <a:prstGeom prst="rect">
@@ -15767,7 +15761,7 @@
         </p:nvSpPr>
         <p:spPr>
           <a:xfrm>
-            <a:off x="2886080" y="4859749"/>
+            <a:off x="2748920" y="4859749"/>
             <a:ext cx="556563" cy="184666"/>
           </a:xfrm>
           <a:prstGeom prst="rect">
@@ -15796,7 +15790,7 @@
         </p:nvSpPr>
         <p:spPr>
           <a:xfrm>
-            <a:off x="3047550" y="3346272"/>
+            <a:off x="2843406" y="3261561"/>
             <a:ext cx="646331" cy="184666"/>
           </a:xfrm>
           <a:prstGeom prst="rect">
@@ -15826,7 +15820,7 @@
         <p:spPr>
           <a:xfrm>
             <a:off x="8136155" y="214726"/>
-            <a:ext cx="718466" cy="261610"/>
+            <a:ext cx="732893" cy="261610"/>
           </a:xfrm>
           <a:prstGeom prst="rect">
             <a:avLst/>
@@ -15841,7 +15835,7 @@
           <a:p>
             <a:r>
               <a:rPr lang="en-US" sz="1100" dirty="0" smtClean="0"/>
-              <a:t>20150731</a:t>
+              <a:t>20151005</a:t>
             </a:r>
             <a:endParaRPr lang="es-ES" sz="1100" dirty="0"/>
           </a:p>
@@ -15858,8 +15852,8 @@
         </p:nvCxnSpPr>
         <p:spPr>
           <a:xfrm rot="16200000" flipH="1">
-            <a:off x="1645796" y="2935311"/>
-            <a:ext cx="428857" cy="4896"/>
+            <a:off x="1509147" y="2936363"/>
+            <a:ext cx="428857" cy="2792"/>
           </a:xfrm>
           <a:prstGeom prst="bentConnector3">
             <a:avLst>
@@ -15901,8 +15895,8 @@
         </p:nvCxnSpPr>
         <p:spPr>
           <a:xfrm rot="16200000" flipV="1">
-            <a:off x="4021351" y="2636118"/>
-            <a:ext cx="355954" cy="3085"/>
+            <a:off x="3883352" y="2635724"/>
+            <a:ext cx="355954" cy="3873"/>
           </a:xfrm>
           <a:prstGeom prst="bentConnector3">
             <a:avLst>
@@ -15943,8 +15937,8 @@
         </p:nvCxnSpPr>
         <p:spPr>
           <a:xfrm flipV="1">
-            <a:off x="4192232" y="4459198"/>
-            <a:ext cx="8638" cy="457081"/>
+            <a:off x="4058601" y="4459198"/>
+            <a:ext cx="1135" cy="457081"/>
           </a:xfrm>
           <a:prstGeom prst="straightConnector1">
             <a:avLst/>
@@ -15982,8 +15976,8 @@
         </p:nvCxnSpPr>
         <p:spPr>
           <a:xfrm rot="16200000" flipH="1">
-            <a:off x="2479105" y="3921361"/>
-            <a:ext cx="479790" cy="1717418"/>
+            <a:off x="2342511" y="3918398"/>
+            <a:ext cx="479790" cy="1723343"/>
           </a:xfrm>
           <a:prstGeom prst="bentConnector2">
             <a:avLst/>
@@ -16014,20 +16008,18 @@
         <p:nvCxnSpPr>
           <p:cNvPr id="106" name="Conector recto de flecha 96"/>
           <p:cNvCxnSpPr>
-            <a:stCxn id="172" idx="1"/>
-            <a:endCxn id="205" idx="1"/>
+            <a:stCxn id="172" idx="3"/>
+            <a:endCxn id="262" idx="0"/>
           </p:cNvCxnSpPr>
           <p:nvPr/>
         </p:nvCxnSpPr>
         <p:spPr>
-          <a:xfrm rot="10800000" flipH="1" flipV="1">
-            <a:off x="1243047" y="3501929"/>
-            <a:ext cx="2334661" cy="1767307"/>
-          </a:xfrm>
-          <a:prstGeom prst="bentConnector3">
-            <a:avLst>
-              <a:gd name="adj1" fmla="val -12852"/>
-            </a:avLst>
+          <a:xfrm>
+            <a:off x="2336865" y="3501930"/>
+            <a:ext cx="1422774" cy="430434"/>
+          </a:xfrm>
+          <a:prstGeom prst="bentConnector2">
+            <a:avLst/>
           </a:prstGeom>
           <a:ln w="6350">
             <a:solidFill>
@@ -16063,9 +16055,9 @@
           <p:nvPr/>
         </p:nvCxnSpPr>
         <p:spPr>
-          <a:xfrm>
-            <a:off x="1856188" y="1841031"/>
-            <a:ext cx="1588" cy="351666"/>
+          <a:xfrm flipH="1">
+            <a:off x="1722179" y="1841031"/>
+            <a:ext cx="620" cy="351666"/>
           </a:xfrm>
           <a:prstGeom prst="straightConnector1">
             <a:avLst/>
@@ -16098,7 +16090,7 @@
         </p:nvSpPr>
         <p:spPr>
           <a:xfrm>
-            <a:off x="5084707" y="1786089"/>
+            <a:off x="4947547" y="1786089"/>
             <a:ext cx="671512" cy="1160698"/>
           </a:xfrm>
           <a:prstGeom prst="flowChartMagneticDisk">
@@ -16143,8 +16135,8 @@
         </p:nvCxnSpPr>
         <p:spPr>
           <a:xfrm flipV="1">
-            <a:off x="4816284" y="2946787"/>
-            <a:ext cx="604179" cy="1166470"/>
+            <a:off x="4675150" y="2946787"/>
+            <a:ext cx="608153" cy="1166470"/>
           </a:xfrm>
           <a:prstGeom prst="bentConnector2">
             <a:avLst/>
@@ -16180,7 +16172,7 @@
         </p:nvSpPr>
         <p:spPr>
           <a:xfrm>
-            <a:off x="6740191" y="2501633"/>
+            <a:off x="6603031" y="2501633"/>
             <a:ext cx="1104900" cy="892900"/>
           </a:xfrm>
           <a:prstGeom prst="hexagon">
@@ -16222,7 +16214,7 @@
         </p:nvSpPr>
         <p:spPr>
           <a:xfrm>
-            <a:off x="1225500" y="5019965"/>
+            <a:off x="1088340" y="5019965"/>
             <a:ext cx="484365" cy="184666"/>
           </a:xfrm>
           <a:prstGeom prst="rect">
@@ -16253,9 +16245,9 @@
           <p:nvPr/>
         </p:nvCxnSpPr>
         <p:spPr>
-          <a:xfrm flipH="1" flipV="1">
-            <a:off x="1958723" y="2723331"/>
-            <a:ext cx="2" cy="428857"/>
+          <a:xfrm flipV="1">
+            <a:off x="1821024" y="2723331"/>
+            <a:ext cx="2102" cy="428857"/>
           </a:xfrm>
           <a:prstGeom prst="straightConnector1">
             <a:avLst/>
@@ -16291,7 +16283,7 @@
         </p:nvSpPr>
         <p:spPr>
           <a:xfrm>
-            <a:off x="1900320" y="2914587"/>
+            <a:off x="1763160" y="2914587"/>
             <a:ext cx="484365" cy="184666"/>
           </a:xfrm>
           <a:prstGeom prst="rect">
@@ -16323,8 +16315,8 @@
         </p:nvCxnSpPr>
         <p:spPr>
           <a:xfrm rot="16200000" flipV="1">
-            <a:off x="3224206" y="952153"/>
-            <a:ext cx="220977" cy="1726183"/>
+            <a:off x="3088315" y="954655"/>
+            <a:ext cx="220977" cy="1721179"/>
           </a:xfrm>
           <a:prstGeom prst="bentConnector2">
             <a:avLst/>
@@ -16360,7 +16352,7 @@
         </p:nvGrpSpPr>
         <p:grpSpPr>
           <a:xfrm>
-            <a:off x="1242362" y="2192697"/>
+            <a:off x="1106765" y="2192697"/>
             <a:ext cx="1232202" cy="530634"/>
             <a:chOff x="3167364" y="2192697"/>
             <a:chExt cx="1232202" cy="530634"/>
@@ -16912,7 +16904,7 @@
         </p:nvSpPr>
         <p:spPr>
           <a:xfrm>
-            <a:off x="3693685" y="1925733"/>
+            <a:off x="3555292" y="1925733"/>
             <a:ext cx="1008199" cy="533951"/>
           </a:xfrm>
           <a:prstGeom prst="flowChartMagneticDrum">
@@ -16953,19 +16945,18 @@
           <p:cNvPr id="214" name="Conector angular 41"/>
           <p:cNvCxnSpPr>
             <a:stCxn id="171" idx="3"/>
-            <a:endCxn id="195" idx="0"/>
+            <a:endCxn id="4" idx="1"/>
           </p:cNvCxnSpPr>
           <p:nvPr/>
         </p:nvCxnSpPr>
         <p:spPr>
           <a:xfrm flipV="1">
-            <a:off x="2474566" y="2815640"/>
-            <a:ext cx="1419150" cy="437018"/>
-          </a:xfrm>
-          <a:prstGeom prst="bentConnector4">
+            <a:off x="2336865" y="3080955"/>
+            <a:ext cx="1110986" cy="171703"/>
+          </a:xfrm>
+          <a:prstGeom prst="bentConnector3">
             <a:avLst>
-              <a:gd name="adj1" fmla="val 31816"/>
-              <a:gd name="adj2" fmla="val 152309"/>
+              <a:gd name="adj1" fmla="val 50000"/>
             </a:avLst>
           </a:prstGeom>
           <a:ln w="6350">
@@ -16994,15 +16985,15 @@
         <p:nvCxnSpPr>
           <p:cNvPr id="215" name="Conector angular 41"/>
           <p:cNvCxnSpPr>
-            <a:stCxn id="172" idx="3"/>
+            <a:stCxn id="3" idx="3"/>
             <a:endCxn id="7" idx="0"/>
           </p:cNvCxnSpPr>
           <p:nvPr/>
         </p:nvCxnSpPr>
         <p:spPr>
           <a:xfrm>
-            <a:off x="2474566" y="3501930"/>
-            <a:ext cx="1726304" cy="426634"/>
+            <a:off x="2340385" y="3417505"/>
+            <a:ext cx="1719351" cy="511059"/>
           </a:xfrm>
           <a:prstGeom prst="bentConnector2">
             <a:avLst/>
@@ -17040,12 +17031,12 @@
         </p:nvCxnSpPr>
         <p:spPr>
           <a:xfrm rot="10800000">
-            <a:off x="1243048" y="3582354"/>
-            <a:ext cx="2333770" cy="1599243"/>
+            <a:off x="1105347" y="3582354"/>
+            <a:ext cx="2337840" cy="1599243"/>
           </a:xfrm>
           <a:prstGeom prst="bentConnector3">
             <a:avLst>
-              <a:gd name="adj1" fmla="val 106326"/>
+              <a:gd name="adj1" fmla="val 109778"/>
             </a:avLst>
           </a:prstGeom>
           <a:ln w="6350">
@@ -17082,12 +17073,12 @@
         </p:nvCxnSpPr>
         <p:spPr>
           <a:xfrm flipV="1">
-            <a:off x="4816284" y="2948083"/>
-            <a:ext cx="1923907" cy="1245798"/>
+            <a:off x="4675150" y="2948083"/>
+            <a:ext cx="1927881" cy="1245798"/>
           </a:xfrm>
           <a:prstGeom prst="bentConnector3">
             <a:avLst>
-              <a:gd name="adj1" fmla="val 65843"/>
+              <a:gd name="adj1" fmla="val 65810"/>
             </a:avLst>
           </a:prstGeom>
           <a:ln w="28575" cmpd="dbl">
@@ -17126,12 +17117,12 @@
         </p:nvCxnSpPr>
         <p:spPr>
           <a:xfrm flipH="1" flipV="1">
-            <a:off x="4701884" y="2192709"/>
-            <a:ext cx="114400" cy="1840125"/>
+            <a:off x="4563491" y="2192709"/>
+            <a:ext cx="111659" cy="1840125"/>
           </a:xfrm>
           <a:prstGeom prst="bentConnector3">
             <a:avLst>
-              <a:gd name="adj1" fmla="val -120728"/>
+              <a:gd name="adj1" fmla="val -163783"/>
             </a:avLst>
           </a:prstGeom>
           <a:ln w="9525" cmpd="dbl">
@@ -17165,7 +17156,7 @@
         </p:nvSpPr>
         <p:spPr>
           <a:xfrm>
-            <a:off x="6906495" y="3829810"/>
+            <a:off x="6769335" y="3829810"/>
             <a:ext cx="917694" cy="494916"/>
           </a:xfrm>
           <a:prstGeom prst="flowChartMagneticDrum">
@@ -17211,12 +17202,12 @@
         </p:nvCxnSpPr>
         <p:spPr>
           <a:xfrm flipV="1">
-            <a:off x="4816284" y="4077268"/>
-            <a:ext cx="2090211" cy="204838"/>
+            <a:off x="4675150" y="4077268"/>
+            <a:ext cx="2094185" cy="204838"/>
           </a:xfrm>
           <a:prstGeom prst="bentConnector3">
             <a:avLst>
-              <a:gd name="adj1" fmla="val 70962"/>
+              <a:gd name="adj1" fmla="val 72560"/>
             </a:avLst>
           </a:prstGeom>
           <a:ln w="9525" cmpd="dbl">
@@ -17252,7 +17243,7 @@
         </p:nvCxnSpPr>
         <p:spPr>
           <a:xfrm>
-            <a:off x="7365342" y="4324726"/>
+            <a:off x="7228182" y="4324726"/>
             <a:ext cx="0" cy="378553"/>
           </a:xfrm>
           <a:prstGeom prst="line">
@@ -17283,7 +17274,7 @@
         </p:nvGrpSpPr>
         <p:grpSpPr>
           <a:xfrm>
-            <a:off x="1244877" y="4009541"/>
+            <a:off x="1105321" y="4009541"/>
             <a:ext cx="1235091" cy="533842"/>
             <a:chOff x="1244877" y="4009541"/>
             <a:chExt cx="1235091" cy="533842"/>
@@ -17845,7 +17836,7 @@
         </p:nvSpPr>
         <p:spPr>
           <a:xfrm>
-            <a:off x="3024868" y="4311243"/>
+            <a:off x="2868658" y="4330293"/>
             <a:ext cx="542135" cy="184666"/>
           </a:xfrm>
           <a:prstGeom prst="rect">
@@ -17879,12 +17870,12 @@
         </p:nvCxnSpPr>
         <p:spPr>
           <a:xfrm rot="10800000" flipH="1" flipV="1">
-            <a:off x="1247257" y="3417504"/>
-            <a:ext cx="2330451" cy="1932155"/>
+            <a:off x="1109556" y="3417504"/>
+            <a:ext cx="2334521" cy="1932155"/>
           </a:xfrm>
           <a:prstGeom prst="bentConnector3">
             <a:avLst>
-              <a:gd name="adj1" fmla="val -18596"/>
+              <a:gd name="adj1" fmla="val -21216"/>
             </a:avLst>
           </a:prstGeom>
           <a:ln w="6350">
@@ -17917,7 +17908,7 @@
         </p:nvSpPr>
         <p:spPr>
           <a:xfrm>
-            <a:off x="799819" y="3373832"/>
+            <a:off x="2471478" y="3488368"/>
             <a:ext cx="463588" cy="184666"/>
           </a:xfrm>
           <a:prstGeom prst="rect">
@@ -17949,9 +17940,9 @@
           <p:nvPr/>
         </p:nvCxnSpPr>
         <p:spPr>
-          <a:xfrm rot="16200000" flipH="1">
-            <a:off x="1344626" y="2937758"/>
-            <a:ext cx="428857" cy="2"/>
+          <a:xfrm rot="5400000">
+            <a:off x="1207977" y="2936708"/>
+            <a:ext cx="428857" cy="2102"/>
           </a:xfrm>
           <a:prstGeom prst="bentConnector3">
             <a:avLst>
@@ -17994,8 +17985,8 @@
         </p:nvCxnSpPr>
         <p:spPr>
           <a:xfrm rot="16200000" flipV="1">
-            <a:off x="3781143" y="146769"/>
-            <a:ext cx="330605" cy="2948036"/>
+            <a:off x="3645869" y="148654"/>
+            <a:ext cx="330605" cy="2944265"/>
           </a:xfrm>
           <a:prstGeom prst="bentConnector2">
             <a:avLst/>
@@ -18031,7 +18022,7 @@
         </p:nvSpPr>
         <p:spPr>
           <a:xfrm>
-            <a:off x="5477937" y="5814177"/>
+            <a:off x="5328872" y="5783224"/>
             <a:ext cx="556563" cy="184666"/>
           </a:xfrm>
           <a:prstGeom prst="rect">
@@ -18056,19 +18047,19 @@
         <p:nvCxnSpPr>
           <p:cNvPr id="404" name="Elbow Connector 403"/>
           <p:cNvCxnSpPr>
-            <a:stCxn id="10" idx="2"/>
-            <a:endCxn id="213" idx="2"/>
+            <a:stCxn id="220" idx="1"/>
+            <a:endCxn id="206" idx="3"/>
           </p:cNvCxnSpPr>
           <p:nvPr/>
         </p:nvCxnSpPr>
         <p:spPr>
-          <a:xfrm rot="5400000">
-            <a:off x="5354828" y="4127730"/>
-            <a:ext cx="260958" cy="2383841"/>
+          <a:xfrm rot="10800000" flipV="1">
+            <a:off x="4675597" y="5049278"/>
+            <a:ext cx="1249057" cy="51110"/>
           </a:xfrm>
           <a:prstGeom prst="bentConnector3">
             <a:avLst>
-              <a:gd name="adj1" fmla="val 187600"/>
+              <a:gd name="adj1" fmla="val 57626"/>
             </a:avLst>
           </a:prstGeom>
           <a:ln w="6350">
@@ -18098,19 +18089,19 @@
         <p:nvCxnSpPr>
           <p:cNvPr id="408" name="Elbow Connector 407"/>
           <p:cNvCxnSpPr>
-            <a:stCxn id="11" idx="2"/>
-            <a:endCxn id="210" idx="2"/>
+            <a:stCxn id="223" idx="1"/>
+            <a:endCxn id="207" idx="3"/>
           </p:cNvCxnSpPr>
           <p:nvPr/>
         </p:nvCxnSpPr>
         <p:spPr>
-          <a:xfrm rot="5400000" flipH="1">
-            <a:off x="5043217" y="4500463"/>
-            <a:ext cx="684344" cy="2583676"/>
+          <a:xfrm rot="10800000">
+            <a:off x="4675597" y="5349660"/>
+            <a:ext cx="1249057" cy="637628"/>
           </a:xfrm>
           <a:prstGeom prst="bentConnector3">
             <a:avLst>
-              <a:gd name="adj1" fmla="val -33404"/>
+              <a:gd name="adj1" fmla="val 54004"/>
             </a:avLst>
           </a:prstGeom>
           <a:ln w="6350">
@@ -18144,7 +18135,7 @@
         </p:nvSpPr>
         <p:spPr>
           <a:xfrm>
-            <a:off x="4314721" y="5532604"/>
+            <a:off x="4770493" y="5065358"/>
             <a:ext cx="484365" cy="184666"/>
           </a:xfrm>
           <a:prstGeom prst="rect">
@@ -18956,6 +18947,595 @@
           </p:txBody>
         </p:sp>
       </p:grpSp>
+      <p:cxnSp>
+        <p:nvCxnSpPr>
+          <p:cNvPr id="55" name="Elbow Connector 54"/>
+          <p:cNvCxnSpPr>
+            <a:stCxn id="9" idx="3"/>
+            <a:endCxn id="10" idx="2"/>
+          </p:cNvCxnSpPr>
+          <p:nvPr/>
+        </p:nvCxnSpPr>
+        <p:spPr>
+          <a:xfrm>
+            <a:off x="4674015" y="5181596"/>
+            <a:ext cx="1866052" cy="15195"/>
+          </a:xfrm>
+          <a:prstGeom prst="bentConnector4">
+            <a:avLst>
+              <a:gd name="adj1" fmla="val 50099"/>
+              <a:gd name="adj2" fmla="val 930576"/>
+            </a:avLst>
+          </a:prstGeom>
+          <a:ln w="6350">
+            <a:solidFill>
+              <a:srgbClr val="8F45C7"/>
+            </a:solidFill>
+            <a:headEnd type="none"/>
+            <a:tailEnd type="stealth"/>
+          </a:ln>
+        </p:spPr>
+        <p:style>
+          <a:lnRef idx="1">
+            <a:schemeClr val="accent4"/>
+          </a:lnRef>
+          <a:fillRef idx="0">
+            <a:schemeClr val="accent4"/>
+          </a:fillRef>
+          <a:effectRef idx="0">
+            <a:schemeClr val="accent4"/>
+          </a:effectRef>
+          <a:fontRef idx="minor">
+            <a:schemeClr val="tx1"/>
+          </a:fontRef>
+        </p:style>
+      </p:cxnSp>
+      <p:cxnSp>
+        <p:nvCxnSpPr>
+          <p:cNvPr id="231" name="Elbow Connector 230"/>
+          <p:cNvCxnSpPr>
+            <a:stCxn id="209" idx="2"/>
+            <a:endCxn id="11" idx="2"/>
+          </p:cNvCxnSpPr>
+          <p:nvPr/>
+        </p:nvCxnSpPr>
+        <p:spPr>
+          <a:xfrm rot="16200000" flipH="1">
+            <a:off x="5107656" y="4702062"/>
+            <a:ext cx="684344" cy="2180477"/>
+          </a:xfrm>
+          <a:prstGeom prst="bentConnector3">
+            <a:avLst>
+              <a:gd name="adj1" fmla="val 119138"/>
+            </a:avLst>
+          </a:prstGeom>
+          <a:ln w="6350">
+            <a:solidFill>
+              <a:srgbClr val="8F45C7"/>
+            </a:solidFill>
+            <a:headEnd type="none"/>
+            <a:tailEnd type="stealth"/>
+          </a:ln>
+        </p:spPr>
+        <p:style>
+          <a:lnRef idx="1">
+            <a:schemeClr val="accent4"/>
+          </a:lnRef>
+          <a:fillRef idx="0">
+            <a:schemeClr val="accent4"/>
+          </a:fillRef>
+          <a:effectRef idx="0">
+            <a:schemeClr val="accent4"/>
+          </a:effectRef>
+          <a:fontRef idx="minor">
+            <a:schemeClr val="tx1"/>
+          </a:fontRef>
+        </p:style>
+      </p:cxnSp>
+      <p:sp>
+        <p:nvSpPr>
+          <p:cNvPr id="238" name="CuadroTexto 88"/>
+          <p:cNvSpPr txBox="1"/>
+          <p:nvPr/>
+        </p:nvSpPr>
+        <p:spPr>
+          <a:xfrm>
+            <a:off x="6113516" y="5293315"/>
+            <a:ext cx="343364" cy="184666"/>
+          </a:xfrm>
+          <a:prstGeom prst="rect">
+            <a:avLst/>
+          </a:prstGeom>
+          <a:noFill/>
+        </p:spPr>
+        <p:txBody>
+          <a:bodyPr wrap="none" rtlCol="0">
+            <a:spAutoFit/>
+          </a:bodyPr>
+          <a:lstStyle/>
+          <a:p>
+            <a:r>
+              <a:rPr lang="es-ES" sz="600" dirty="0" smtClean="0"/>
+              <a:t>CMD</a:t>
+            </a:r>
+            <a:endParaRPr lang="es-ES" sz="600" dirty="0"/>
+          </a:p>
+        </p:txBody>
+      </p:sp>
+      <p:sp>
+        <p:nvSpPr>
+          <p:cNvPr id="239" name="CuadroTexto 88"/>
+          <p:cNvSpPr txBox="1"/>
+          <p:nvPr/>
+        </p:nvSpPr>
+        <p:spPr>
+          <a:xfrm>
+            <a:off x="6113516" y="6233000"/>
+            <a:ext cx="343364" cy="184666"/>
+          </a:xfrm>
+          <a:prstGeom prst="rect">
+            <a:avLst/>
+          </a:prstGeom>
+          <a:noFill/>
+        </p:spPr>
+        <p:txBody>
+          <a:bodyPr wrap="none" rtlCol="0">
+            <a:spAutoFit/>
+          </a:bodyPr>
+          <a:lstStyle/>
+          <a:p>
+            <a:r>
+              <a:rPr lang="es-ES" sz="600" dirty="0" smtClean="0"/>
+              <a:t>CMD</a:t>
+            </a:r>
+            <a:endParaRPr lang="es-ES" sz="600" dirty="0"/>
+          </a:p>
+        </p:txBody>
+      </p:sp>
+      <p:cxnSp>
+        <p:nvCxnSpPr>
+          <p:cNvPr id="240" name="Conector recto de flecha 96"/>
+          <p:cNvCxnSpPr>
+            <a:stCxn id="3" idx="1"/>
+            <a:endCxn id="11" idx="2"/>
+          </p:cNvCxnSpPr>
+          <p:nvPr/>
+        </p:nvCxnSpPr>
+        <p:spPr>
+          <a:xfrm rot="10800000" flipH="1" flipV="1">
+            <a:off x="1109557" y="3417505"/>
+            <a:ext cx="5430510" cy="2716968"/>
+          </a:xfrm>
+          <a:prstGeom prst="bentConnector4">
+            <a:avLst>
+              <a:gd name="adj1" fmla="val -10384"/>
+              <a:gd name="adj2" fmla="val 108414"/>
+            </a:avLst>
+          </a:prstGeom>
+          <a:ln w="6350">
+            <a:solidFill>
+              <a:srgbClr val="FF0000"/>
+            </a:solidFill>
+            <a:tailEnd type="stealth"/>
+          </a:ln>
+        </p:spPr>
+        <p:style>
+          <a:lnRef idx="1">
+            <a:schemeClr val="accent4"/>
+          </a:lnRef>
+          <a:fillRef idx="0">
+            <a:schemeClr val="accent4"/>
+          </a:fillRef>
+          <a:effectRef idx="0">
+            <a:schemeClr val="accent4"/>
+          </a:effectRef>
+          <a:fontRef idx="minor">
+            <a:schemeClr val="tx1"/>
+          </a:fontRef>
+        </p:style>
+      </p:cxnSp>
+      <p:cxnSp>
+        <p:nvCxnSpPr>
+          <p:cNvPr id="268" name="Conector recto de flecha 96"/>
+          <p:cNvCxnSpPr>
+            <a:stCxn id="3" idx="1"/>
+            <a:endCxn id="10" idx="2"/>
+          </p:cNvCxnSpPr>
+          <p:nvPr/>
+        </p:nvCxnSpPr>
+        <p:spPr>
+          <a:xfrm rot="10800000" flipH="1" flipV="1">
+            <a:off x="1109557" y="3417505"/>
+            <a:ext cx="5430510" cy="1779286"/>
+          </a:xfrm>
+          <a:prstGeom prst="bentConnector4">
+            <a:avLst>
+              <a:gd name="adj1" fmla="val -11927"/>
+              <a:gd name="adj2" fmla="val 173661"/>
+            </a:avLst>
+          </a:prstGeom>
+          <a:ln w="6350">
+            <a:solidFill>
+              <a:srgbClr val="FF0000"/>
+            </a:solidFill>
+            <a:tailEnd type="stealth"/>
+          </a:ln>
+        </p:spPr>
+        <p:style>
+          <a:lnRef idx="1">
+            <a:schemeClr val="accent4"/>
+          </a:lnRef>
+          <a:fillRef idx="0">
+            <a:schemeClr val="accent4"/>
+          </a:fillRef>
+          <a:effectRef idx="0">
+            <a:schemeClr val="accent4"/>
+          </a:effectRef>
+          <a:fontRef idx="minor">
+            <a:schemeClr val="tx1"/>
+          </a:fontRef>
+        </p:style>
+      </p:cxnSp>
+      <p:grpSp>
+        <p:nvGrpSpPr>
+          <p:cNvPr id="39" name="Group 38"/>
+          <p:cNvGrpSpPr/>
+          <p:nvPr/>
+        </p:nvGrpSpPr>
+        <p:grpSpPr>
+          <a:xfrm>
+            <a:off x="5924653" y="4844449"/>
+            <a:ext cx="1230828" cy="352342"/>
+            <a:chOff x="6061813" y="4844449"/>
+            <a:chExt cx="1230828" cy="352342"/>
+          </a:xfrm>
+        </p:grpSpPr>
+        <p:grpSp>
+          <p:nvGrpSpPr>
+            <p:cNvPr id="24" name="Group 23"/>
+            <p:cNvGrpSpPr/>
+            <p:nvPr/>
+          </p:nvGrpSpPr>
+          <p:grpSpPr>
+            <a:xfrm>
+              <a:off x="6061813" y="4961993"/>
+              <a:ext cx="1230828" cy="116598"/>
+              <a:chOff x="6061813" y="4961993"/>
+              <a:chExt cx="1230828" cy="116598"/>
+            </a:xfrm>
+          </p:grpSpPr>
+          <p:sp>
+            <p:nvSpPr>
+              <p:cNvPr id="218" name="Rectángulo 9"/>
+              <p:cNvSpPr/>
+              <p:nvPr/>
+            </p:nvSpPr>
+            <p:spPr>
+              <a:xfrm>
+                <a:off x="6061813" y="4961993"/>
+                <a:ext cx="1230828" cy="58627"/>
+              </a:xfrm>
+              <a:prstGeom prst="rect">
+                <a:avLst/>
+              </a:prstGeom>
+              <a:ln>
+                <a:noFill/>
+              </a:ln>
+            </p:spPr>
+            <p:style>
+              <a:lnRef idx="2">
+                <a:schemeClr val="dk1">
+                  <a:shade val="50000"/>
+                </a:schemeClr>
+              </a:lnRef>
+              <a:fillRef idx="1">
+                <a:schemeClr val="dk1"/>
+              </a:fillRef>
+              <a:effectRef idx="0">
+                <a:schemeClr val="dk1"/>
+              </a:effectRef>
+              <a:fontRef idx="minor">
+                <a:schemeClr val="lt1"/>
+              </a:fontRef>
+            </p:style>
+            <p:txBody>
+              <a:bodyPr rtlCol="0" anchor="ctr"/>
+              <a:lstStyle/>
+              <a:p>
+                <a:pPr algn="ctr"/>
+                <a:endParaRPr lang="es-ES" sz="800" dirty="0"/>
+              </a:p>
+            </p:txBody>
+          </p:sp>
+          <p:sp>
+            <p:nvSpPr>
+              <p:cNvPr id="220" name="Rectángulo 9"/>
+              <p:cNvSpPr/>
+              <p:nvPr/>
+            </p:nvSpPr>
+            <p:spPr>
+              <a:xfrm>
+                <a:off x="6061813" y="5019964"/>
+                <a:ext cx="1230828" cy="58627"/>
+              </a:xfrm>
+              <a:prstGeom prst="rect">
+                <a:avLst/>
+              </a:prstGeom>
+              <a:ln>
+                <a:noFill/>
+              </a:ln>
+            </p:spPr>
+            <p:style>
+              <a:lnRef idx="2">
+                <a:schemeClr val="dk1">
+                  <a:shade val="50000"/>
+                </a:schemeClr>
+              </a:lnRef>
+              <a:fillRef idx="1">
+                <a:schemeClr val="dk1"/>
+              </a:fillRef>
+              <a:effectRef idx="0">
+                <a:schemeClr val="dk1"/>
+              </a:effectRef>
+              <a:fontRef idx="minor">
+                <a:schemeClr val="lt1"/>
+              </a:fontRef>
+            </p:style>
+            <p:txBody>
+              <a:bodyPr rtlCol="0" anchor="ctr"/>
+              <a:lstStyle/>
+              <a:p>
+                <a:pPr algn="ctr"/>
+                <a:endParaRPr lang="es-ES" sz="800" dirty="0"/>
+              </a:p>
+            </p:txBody>
+          </p:sp>
+        </p:grpSp>
+        <p:sp>
+          <p:nvSpPr>
+            <p:cNvPr id="10" name="Rectángulo 9"/>
+            <p:cNvSpPr/>
+            <p:nvPr/>
+          </p:nvSpPr>
+          <p:spPr>
+            <a:xfrm>
+              <a:off x="6061813" y="4844449"/>
+              <a:ext cx="1230828" cy="352342"/>
+            </a:xfrm>
+            <a:prstGeom prst="rect">
+              <a:avLst/>
+            </a:prstGeom>
+            <a:solidFill>
+              <a:srgbClr val="660066"/>
+            </a:solidFill>
+          </p:spPr>
+          <p:style>
+            <a:lnRef idx="0">
+              <a:schemeClr val="accent1"/>
+            </a:lnRef>
+            <a:fillRef idx="3">
+              <a:schemeClr val="accent1"/>
+            </a:fillRef>
+            <a:effectRef idx="3">
+              <a:schemeClr val="accent1"/>
+            </a:effectRef>
+            <a:fontRef idx="minor">
+              <a:schemeClr val="lt1"/>
+            </a:fontRef>
+          </p:style>
+          <p:txBody>
+            <a:bodyPr rtlCol="0" anchor="ctr"/>
+            <a:lstStyle/>
+            <a:p>
+              <a:pPr algn="ctr"/>
+              <a:r>
+                <a:rPr lang="es-ES" sz="1000" b="1" dirty="0" err="1"/>
+                <a:t>Task</a:t>
+              </a:r>
+              <a:r>
+                <a:rPr lang="es-ES" sz="1000" b="1" dirty="0"/>
+                <a:t> </a:t>
+              </a:r>
+              <a:r>
+                <a:rPr lang="es-ES" sz="1000" b="1" dirty="0" err="1"/>
+                <a:t>Agent</a:t>
+              </a:r>
+              <a:r>
+                <a:rPr lang="es-ES" sz="1000" b="1" dirty="0"/>
+                <a:t> 1</a:t>
+              </a:r>
+            </a:p>
+            <a:p>
+              <a:pPr algn="ctr"/>
+              <a:r>
+                <a:rPr lang="es-ES" sz="800" dirty="0" err="1" smtClean="0"/>
+                <a:t>TaskAg</a:t>
+              </a:r>
+              <a:endParaRPr lang="es-ES" sz="800" dirty="0"/>
+            </a:p>
+          </p:txBody>
+        </p:sp>
+      </p:grpSp>
+      <p:grpSp>
+        <p:nvGrpSpPr>
+          <p:cNvPr id="40" name="Group 39"/>
+          <p:cNvGrpSpPr/>
+          <p:nvPr/>
+        </p:nvGrpSpPr>
+        <p:grpSpPr>
+          <a:xfrm>
+            <a:off x="5924653" y="5782131"/>
+            <a:ext cx="1230828" cy="352342"/>
+            <a:chOff x="6061813" y="5782131"/>
+            <a:chExt cx="1230828" cy="352342"/>
+          </a:xfrm>
+        </p:grpSpPr>
+        <p:grpSp>
+          <p:nvGrpSpPr>
+            <p:cNvPr id="221" name="Group 220"/>
+            <p:cNvGrpSpPr/>
+            <p:nvPr/>
+          </p:nvGrpSpPr>
+          <p:grpSpPr>
+            <a:xfrm>
+              <a:off x="6061813" y="5900003"/>
+              <a:ext cx="1230828" cy="116598"/>
+              <a:chOff x="6061813" y="4961993"/>
+              <a:chExt cx="1230828" cy="116598"/>
+            </a:xfrm>
+          </p:grpSpPr>
+          <p:sp>
+            <p:nvSpPr>
+              <p:cNvPr id="222" name="Rectángulo 9"/>
+              <p:cNvSpPr/>
+              <p:nvPr/>
+            </p:nvSpPr>
+            <p:spPr>
+              <a:xfrm>
+                <a:off x="6061813" y="4961993"/>
+                <a:ext cx="1230828" cy="58627"/>
+              </a:xfrm>
+              <a:prstGeom prst="rect">
+                <a:avLst/>
+              </a:prstGeom>
+              <a:ln>
+                <a:noFill/>
+              </a:ln>
+            </p:spPr>
+            <p:style>
+              <a:lnRef idx="2">
+                <a:schemeClr val="dk1">
+                  <a:shade val="50000"/>
+                </a:schemeClr>
+              </a:lnRef>
+              <a:fillRef idx="1">
+                <a:schemeClr val="dk1"/>
+              </a:fillRef>
+              <a:effectRef idx="0">
+                <a:schemeClr val="dk1"/>
+              </a:effectRef>
+              <a:fontRef idx="minor">
+                <a:schemeClr val="lt1"/>
+              </a:fontRef>
+            </p:style>
+            <p:txBody>
+              <a:bodyPr rtlCol="0" anchor="ctr"/>
+              <a:lstStyle/>
+              <a:p>
+                <a:pPr algn="ctr"/>
+                <a:endParaRPr lang="es-ES" sz="800" dirty="0"/>
+              </a:p>
+            </p:txBody>
+          </p:sp>
+          <p:sp>
+            <p:nvSpPr>
+              <p:cNvPr id="223" name="Rectángulo 9"/>
+              <p:cNvSpPr/>
+              <p:nvPr/>
+            </p:nvSpPr>
+            <p:spPr>
+              <a:xfrm>
+                <a:off x="6061813" y="5019964"/>
+                <a:ext cx="1230828" cy="58627"/>
+              </a:xfrm>
+              <a:prstGeom prst="rect">
+                <a:avLst/>
+              </a:prstGeom>
+              <a:ln>
+                <a:noFill/>
+              </a:ln>
+            </p:spPr>
+            <p:style>
+              <a:lnRef idx="2">
+                <a:schemeClr val="dk1">
+                  <a:shade val="50000"/>
+                </a:schemeClr>
+              </a:lnRef>
+              <a:fillRef idx="1">
+                <a:schemeClr val="dk1"/>
+              </a:fillRef>
+              <a:effectRef idx="0">
+                <a:schemeClr val="dk1"/>
+              </a:effectRef>
+              <a:fontRef idx="minor">
+                <a:schemeClr val="lt1"/>
+              </a:fontRef>
+            </p:style>
+            <p:txBody>
+              <a:bodyPr rtlCol="0" anchor="ctr"/>
+              <a:lstStyle/>
+              <a:p>
+                <a:pPr algn="ctr"/>
+                <a:endParaRPr lang="es-ES" sz="800" dirty="0"/>
+              </a:p>
+            </p:txBody>
+          </p:sp>
+        </p:grpSp>
+        <p:sp>
+          <p:nvSpPr>
+            <p:cNvPr id="11" name="Rectángulo 10"/>
+            <p:cNvSpPr/>
+            <p:nvPr/>
+          </p:nvSpPr>
+          <p:spPr>
+            <a:xfrm>
+              <a:off x="6061813" y="5782131"/>
+              <a:ext cx="1230828" cy="352342"/>
+            </a:xfrm>
+            <a:prstGeom prst="rect">
+              <a:avLst/>
+            </a:prstGeom>
+            <a:solidFill>
+              <a:srgbClr val="660066"/>
+            </a:solidFill>
+          </p:spPr>
+          <p:style>
+            <a:lnRef idx="0">
+              <a:schemeClr val="accent1"/>
+            </a:lnRef>
+            <a:fillRef idx="3">
+              <a:schemeClr val="accent1"/>
+            </a:fillRef>
+            <a:effectRef idx="3">
+              <a:schemeClr val="accent1"/>
+            </a:effectRef>
+            <a:fontRef idx="minor">
+              <a:schemeClr val="lt1"/>
+            </a:fontRef>
+          </p:style>
+          <p:txBody>
+            <a:bodyPr rtlCol="0" anchor="ctr"/>
+            <a:lstStyle/>
+            <a:p>
+              <a:pPr algn="ctr"/>
+              <a:r>
+                <a:rPr lang="es-ES" sz="1000" b="1" dirty="0" err="1"/>
+                <a:t>Task</a:t>
+              </a:r>
+              <a:r>
+                <a:rPr lang="es-ES" sz="1000" b="1" dirty="0"/>
+                <a:t> </a:t>
+              </a:r>
+              <a:r>
+                <a:rPr lang="es-ES" sz="1000" b="1" dirty="0" err="1"/>
+                <a:t>Agent</a:t>
+              </a:r>
+              <a:r>
+                <a:rPr lang="es-ES" sz="1000" b="1" dirty="0"/>
+                <a:t> N</a:t>
+              </a:r>
+            </a:p>
+            <a:p>
+              <a:pPr algn="ctr"/>
+              <a:r>
+                <a:rPr lang="es-ES" sz="800" dirty="0" err="1" smtClean="0"/>
+                <a:t>TaskAg</a:t>
+              </a:r>
+              <a:endParaRPr lang="es-ES" sz="800" dirty="0"/>
+            </a:p>
+          </p:txBody>
+        </p:sp>
+      </p:grpSp>
     </p:spTree>
     <p:extLst>
       <p:ext uri="{BB962C8B-B14F-4D97-AF65-F5344CB8AC3E}">

--- a/doc/QPF_Architecture.pptx
+++ b/doc/QPF_Architecture.pptx
@@ -296,7 +296,7 @@
             <a:fld id="{8E36636D-D922-432D-A958-524484B5923D}" type="datetimeFigureOut">
               <a:rPr lang="en-US" smtClean="0"/>
               <a:pPr/>
-              <a:t>10/5/2015</a:t>
+              <a:t>4/7/2016</a:t>
             </a:fld>
             <a:endParaRPr lang="en-US"/>
           </a:p>
@@ -463,7 +463,7 @@
             <a:fld id="{8E36636D-D922-432D-A958-524484B5923D}" type="datetimeFigureOut">
               <a:rPr lang="en-US" smtClean="0"/>
               <a:pPr/>
-              <a:t>10/5/2015</a:t>
+              <a:t>4/7/2016</a:t>
             </a:fld>
             <a:endParaRPr lang="en-US"/>
           </a:p>
@@ -640,7 +640,7 @@
             <a:fld id="{8E36636D-D922-432D-A958-524484B5923D}" type="datetimeFigureOut">
               <a:rPr lang="en-US" smtClean="0"/>
               <a:pPr/>
-              <a:t>10/5/2015</a:t>
+              <a:t>4/7/2016</a:t>
             </a:fld>
             <a:endParaRPr lang="en-US"/>
           </a:p>
@@ -807,7 +807,7 @@
             <a:fld id="{8E36636D-D922-432D-A958-524484B5923D}" type="datetimeFigureOut">
               <a:rPr lang="en-US" smtClean="0"/>
               <a:pPr/>
-              <a:t>10/5/2015</a:t>
+              <a:t>4/7/2016</a:t>
             </a:fld>
             <a:endParaRPr lang="en-US"/>
           </a:p>
@@ -1048,7 +1048,7 @@
             <a:fld id="{8E36636D-D922-432D-A958-524484B5923D}" type="datetimeFigureOut">
               <a:rPr lang="en-US" smtClean="0"/>
               <a:pPr/>
-              <a:t>10/5/2015</a:t>
+              <a:t>4/7/2016</a:t>
             </a:fld>
             <a:endParaRPr lang="en-US"/>
           </a:p>
@@ -1333,7 +1333,7 @@
             <a:fld id="{8E36636D-D922-432D-A958-524484B5923D}" type="datetimeFigureOut">
               <a:rPr lang="en-US" smtClean="0"/>
               <a:pPr/>
-              <a:t>10/5/2015</a:t>
+              <a:t>4/7/2016</a:t>
             </a:fld>
             <a:endParaRPr lang="en-US"/>
           </a:p>
@@ -1752,7 +1752,7 @@
             <a:fld id="{8E36636D-D922-432D-A958-524484B5923D}" type="datetimeFigureOut">
               <a:rPr lang="en-US" smtClean="0"/>
               <a:pPr/>
-              <a:t>10/5/2015</a:t>
+              <a:t>4/7/2016</a:t>
             </a:fld>
             <a:endParaRPr lang="en-US"/>
           </a:p>
@@ -1867,7 +1867,7 @@
             <a:fld id="{8E36636D-D922-432D-A958-524484B5923D}" type="datetimeFigureOut">
               <a:rPr lang="en-US" smtClean="0"/>
               <a:pPr/>
-              <a:t>10/5/2015</a:t>
+              <a:t>4/7/2016</a:t>
             </a:fld>
             <a:endParaRPr lang="en-US"/>
           </a:p>
@@ -1959,7 +1959,7 @@
             <a:fld id="{8E36636D-D922-432D-A958-524484B5923D}" type="datetimeFigureOut">
               <a:rPr lang="en-US" smtClean="0"/>
               <a:pPr/>
-              <a:t>10/5/2015</a:t>
+              <a:t>4/7/2016</a:t>
             </a:fld>
             <a:endParaRPr lang="en-US"/>
           </a:p>
@@ -2240,7 +2240,7 @@
             <a:fld id="{8E36636D-D922-432D-A958-524484B5923D}" type="datetimeFigureOut">
               <a:rPr lang="en-US" smtClean="0"/>
               <a:pPr/>
-              <a:t>10/5/2015</a:t>
+              <a:t>4/7/2016</a:t>
             </a:fld>
             <a:endParaRPr lang="en-US"/>
           </a:p>
@@ -2501,7 +2501,7 @@
             <a:fld id="{8E36636D-D922-432D-A958-524484B5923D}" type="datetimeFigureOut">
               <a:rPr lang="en-US" smtClean="0"/>
               <a:pPr/>
-              <a:t>10/5/2015</a:t>
+              <a:t>4/7/2016</a:t>
             </a:fld>
             <a:endParaRPr lang="en-US"/>
           </a:p>
@@ -2711,7 +2711,7 @@
             <a:fld id="{8E36636D-D922-432D-A958-524484B5923D}" type="datetimeFigureOut">
               <a:rPr lang="en-US" smtClean="0"/>
               <a:pPr/>
-              <a:t>10/5/2015</a:t>
+              <a:t>4/7/2016</a:t>
             </a:fld>
             <a:endParaRPr lang="en-US"/>
           </a:p>
@@ -12216,8 +12216,8 @@
         </p:nvSpPr>
         <p:spPr>
           <a:xfrm>
-            <a:off x="-1481707" y="6613304"/>
-            <a:ext cx="5435705" cy="4741861"/>
+            <a:off x="309348" y="1164649"/>
+            <a:ext cx="5435705" cy="4522847"/>
           </a:xfrm>
           <a:prstGeom prst="rect">
             <a:avLst/>
